--- a/FinalPresentation/Misk-V.pptx
+++ b/FinalPresentation/Misk-V.pptx
@@ -111,13 +111,18 @@
       </a:defRPr>
     </a:lvl9pPr>
   </p:defaultTextStyle>
+  <p:extLst>
+    <p:ext uri="{EFAFB233-063F-42B5-8137-9DF3F51BA10A}">
+      <p15:sldGuideLst xmlns:p15="http://schemas.microsoft.com/office/powerpoint/2012/main"/>
+    </p:ext>
+  </p:extLst>
 </p:presentation>
 </file>
 
 <file path=ppt/revisionInfo.xml><?xml version="1.0" encoding="utf-8"?>
 <p1510:revInfo xmlns:a="http://schemas.openxmlformats.org/drawingml/2006/main" xmlns:r="http://schemas.openxmlformats.org/officeDocument/2006/relationships" xmlns:p1510="http://schemas.microsoft.com/office/powerpoint/2015/10/main">
   <p1510:revLst>
-    <p1510:client id="{664DC98D-C937-4202-B8DF-0A68D0C64472}" v="2" dt="2023-11-12T17:01:03.921"/>
+    <p1510:client id="{664DC98D-C937-4202-B8DF-0A68D0C64472}" v="3" dt="2023-11-13T02:05:08.215"/>
   </p1510:revLst>
 </p1510:revInfo>
 </file>
@@ -127,7 +132,7 @@
   <pc:docChgLst>
     <pc:chgData name="Granade, Eli" userId="aad9006c-9ad3-445c-b18d-c9ace00be3a8" providerId="ADAL" clId="{664DC98D-C937-4202-B8DF-0A68D0C64472}"/>
     <pc:docChg chg="undo custSel addSld delSld modSld">
-      <pc:chgData name="Granade, Eli" userId="aad9006c-9ad3-445c-b18d-c9ace00be3a8" providerId="ADAL" clId="{664DC98D-C937-4202-B8DF-0A68D0C64472}" dt="2023-11-12T17:18:43.245" v="1228" actId="20577"/>
+      <pc:chgData name="Granade, Eli" userId="aad9006c-9ad3-445c-b18d-c9ace00be3a8" providerId="ADAL" clId="{664DC98D-C937-4202-B8DF-0A68D0C64472}" dt="2023-11-13T02:05:25.337" v="1237" actId="26606"/>
       <pc:docMkLst>
         <pc:docMk/>
       </pc:docMkLst>
@@ -349,28 +354,52 @@
           </ac:cxnSpMkLst>
         </pc:cxnChg>
       </pc:sldChg>
-      <pc:sldChg chg="modSp new mod">
-        <pc:chgData name="Granade, Eli" userId="aad9006c-9ad3-445c-b18d-c9ace00be3a8" providerId="ADAL" clId="{664DC98D-C937-4202-B8DF-0A68D0C64472}" dt="2023-11-12T16:45:26.038" v="857" actId="20577"/>
+      <pc:sldChg chg="addSp delSp modSp new mod setBg setClrOvrMap">
+        <pc:chgData name="Granade, Eli" userId="aad9006c-9ad3-445c-b18d-c9ace00be3a8" providerId="ADAL" clId="{664DC98D-C937-4202-B8DF-0A68D0C64472}" dt="2023-11-13T02:05:25.337" v="1237" actId="26606"/>
         <pc:sldMkLst>
           <pc:docMk/>
           <pc:sldMk cId="395580163" sldId="263"/>
         </pc:sldMkLst>
         <pc:spChg chg="mod">
-          <ac:chgData name="Granade, Eli" userId="aad9006c-9ad3-445c-b18d-c9ace00be3a8" providerId="ADAL" clId="{664DC98D-C937-4202-B8DF-0A68D0C64472}" dt="2023-11-12T16:45:26.038" v="857" actId="20577"/>
+          <ac:chgData name="Granade, Eli" userId="aad9006c-9ad3-445c-b18d-c9ace00be3a8" providerId="ADAL" clId="{664DC98D-C937-4202-B8DF-0A68D0C64472}" dt="2023-11-13T02:05:25.337" v="1237" actId="26606"/>
           <ac:spMkLst>
             <pc:docMk/>
             <pc:sldMk cId="395580163" sldId="263"/>
             <ac:spMk id="2" creationId="{4A6E4196-AE82-EF26-5D17-81AFF2EF5673}"/>
           </ac:spMkLst>
         </pc:spChg>
-        <pc:spChg chg="mod">
-          <ac:chgData name="Granade, Eli" userId="aad9006c-9ad3-445c-b18d-c9ace00be3a8" providerId="ADAL" clId="{664DC98D-C937-4202-B8DF-0A68D0C64472}" dt="2023-11-12T16:45:11.157" v="842" actId="14100"/>
+        <pc:spChg chg="mod ord">
+          <ac:chgData name="Granade, Eli" userId="aad9006c-9ad3-445c-b18d-c9ace00be3a8" providerId="ADAL" clId="{664DC98D-C937-4202-B8DF-0A68D0C64472}" dt="2023-11-13T02:05:25.337" v="1237" actId="26606"/>
           <ac:spMkLst>
             <pc:docMk/>
             <pc:sldMk cId="395580163" sldId="263"/>
             <ac:spMk id="3" creationId="{1C0EF677-E677-D916-D318-EACF013DAE92}"/>
           </ac:spMkLst>
         </pc:spChg>
+        <pc:spChg chg="add del">
+          <ac:chgData name="Granade, Eli" userId="aad9006c-9ad3-445c-b18d-c9ace00be3a8" providerId="ADAL" clId="{664DC98D-C937-4202-B8DF-0A68D0C64472}" dt="2023-11-13T02:05:25.337" v="1237" actId="26606"/>
+          <ac:spMkLst>
+            <pc:docMk/>
+            <pc:sldMk cId="395580163" sldId="263"/>
+            <ac:spMk id="9" creationId="{124D9F5B-C72B-41EE-97C2-D3600B62717D}"/>
+          </ac:spMkLst>
+        </pc:spChg>
+        <pc:grpChg chg="add del">
+          <ac:chgData name="Granade, Eli" userId="aad9006c-9ad3-445c-b18d-c9ace00be3a8" providerId="ADAL" clId="{664DC98D-C937-4202-B8DF-0A68D0C64472}" dt="2023-11-13T02:05:25.337" v="1237" actId="26606"/>
+          <ac:grpSpMkLst>
+            <pc:docMk/>
+            <pc:sldMk cId="395580163" sldId="263"/>
+            <ac:grpSpMk id="11" creationId="{0180A64C-1862-4B1B-8953-FA96DEE4C44F}"/>
+          </ac:grpSpMkLst>
+        </pc:grpChg>
+        <pc:picChg chg="add mod">
+          <ac:chgData name="Granade, Eli" userId="aad9006c-9ad3-445c-b18d-c9ace00be3a8" providerId="ADAL" clId="{664DC98D-C937-4202-B8DF-0A68D0C64472}" dt="2023-11-13T02:05:25.337" v="1237" actId="26606"/>
+          <ac:picMkLst>
+            <pc:docMk/>
+            <pc:sldMk cId="395580163" sldId="263"/>
+            <ac:picMk id="4" creationId="{708BD593-C035-7B39-A5B4-E8C8E6D7DFC0}"/>
+          </ac:picMkLst>
+        </pc:picChg>
       </pc:sldChg>
       <pc:sldChg chg="modSp new mod">
         <pc:chgData name="Granade, Eli" userId="aad9006c-9ad3-445c-b18d-c9ace00be3a8" providerId="ADAL" clId="{664DC98D-C937-4202-B8DF-0A68D0C64472}" dt="2023-11-12T17:18:43.245" v="1228" actId="20577"/>
@@ -6751,9 +6780,10 @@
           <a:lstStyle/>
           <a:p>
             <a:r>
-              <a:rPr lang="en-US" dirty="0"/>
+              <a:rPr lang="en-US"/>
               <a:t>Datapath and Stage Details</a:t>
             </a:r>
+            <a:endParaRPr lang="en-US" dirty="0"/>
           </a:p>
         </p:txBody>
       </p:sp>
@@ -6787,42 +6817,84 @@
               <a:buNone/>
             </a:pPr>
             <a:r>
-              <a:rPr lang="en-US" dirty="0"/>
+              <a:rPr lang="en-US"/>
               <a:t>The Processor has five stages:</a:t>
             </a:r>
           </a:p>
           <a:p>
             <a:r>
-              <a:rPr lang="en-US" dirty="0"/>
+              <a:rPr lang="en-US"/>
               <a:t>Fetch</a:t>
             </a:r>
           </a:p>
           <a:p>
             <a:r>
-              <a:rPr lang="en-US" dirty="0"/>
+              <a:rPr lang="en-US"/>
               <a:t>Decode</a:t>
             </a:r>
           </a:p>
           <a:p>
             <a:r>
-              <a:rPr lang="en-US" dirty="0"/>
+              <a:rPr lang="en-US"/>
               <a:t>Execute</a:t>
             </a:r>
           </a:p>
           <a:p>
             <a:r>
-              <a:rPr lang="en-US" dirty="0"/>
+              <a:rPr lang="en-US"/>
               <a:t>Memory</a:t>
             </a:r>
           </a:p>
           <a:p>
             <a:r>
-              <a:rPr lang="en-US" dirty="0"/>
+              <a:rPr lang="en-US"/>
               <a:t>Writeback</a:t>
             </a:r>
-          </a:p>
-        </p:txBody>
-      </p:sp>
+            <a:endParaRPr lang="en-US" dirty="0"/>
+          </a:p>
+        </p:txBody>
+      </p:sp>
+      <p:pic>
+        <p:nvPicPr>
+          <p:cNvPr id="4" name="Picture 3" descr="A diagram of a machine&#10;&#10;Description automatically generated">
+            <a:extLst>
+              <a:ext uri="{FF2B5EF4-FFF2-40B4-BE49-F238E27FC236}">
+                <a16:creationId xmlns:a16="http://schemas.microsoft.com/office/drawing/2014/main" id="{708BD593-C035-7B39-A5B4-E8C8E6D7DFC0}"/>
+              </a:ext>
+            </a:extLst>
+          </p:cNvPr>
+          <p:cNvPicPr>
+            <a:picLocks noChangeAspect="1"/>
+          </p:cNvPicPr>
+          <p:nvPr/>
+        </p:nvPicPr>
+        <p:blipFill>
+          <a:blip r:embed="rId2">
+            <a:extLst>
+              <a:ext uri="{28A0092B-C50C-407E-A947-70E740481C1C}">
+                <a14:useLocalDpi xmlns:a14="http://schemas.microsoft.com/office/drawing/2010/main" val="0"/>
+              </a:ext>
+            </a:extLst>
+          </a:blip>
+          <a:srcRect/>
+          <a:stretch>
+            <a:fillRect/>
+          </a:stretch>
+        </p:blipFill>
+        <p:spPr bwMode="auto">
+          <a:xfrm>
+            <a:off x="3421111" y="1375317"/>
+            <a:ext cx="8344422" cy="4695484"/>
+          </a:xfrm>
+          <a:prstGeom prst="rect">
+            <a:avLst/>
+          </a:prstGeom>
+          <a:noFill/>
+          <a:ln>
+            <a:noFill/>
+          </a:ln>
+        </p:spPr>
+      </p:pic>
     </p:spTree>
     <p:extLst>
       <p:ext uri="{BB962C8B-B14F-4D97-AF65-F5344CB8AC3E}">

--- a/FinalPresentation/Misk-V.pptx
+++ b/FinalPresentation/Misk-V.pptx
@@ -122,6 +122,8 @@
 <file path=ppt/revisionInfo.xml><?xml version="1.0" encoding="utf-8"?>
 <p1510:revInfo xmlns:a="http://schemas.openxmlformats.org/drawingml/2006/main" xmlns:r="http://schemas.openxmlformats.org/officeDocument/2006/relationships" xmlns:p1510="http://schemas.microsoft.com/office/powerpoint/2015/10/main">
   <p1510:revLst>
+    <p1510:client id="{2D366D78-7245-07D2-4ACE-AE7EC48CE589}" v="5" dt="2023-11-13T02:10:04.851"/>
+    <p1510:client id="{3E78D8AC-D8D8-6E72-BCC5-545D25E9333C}" v="23" dt="2023-11-13T05:27:28.460"/>
     <p1510:client id="{664DC98D-C937-4202-B8DF-0A68D0C64472}" v="3" dt="2023-11-13T02:05:08.215"/>
   </p1510:revLst>
 </p1510:revInfo>
@@ -129,6 +131,78 @@
 
 <file path=ppt/changesInfos/changesInfo1.xml><?xml version="1.0" encoding="utf-8"?>
 <pc:chgInfo xmlns:a="http://schemas.openxmlformats.org/drawingml/2006/main" xmlns:r="http://schemas.openxmlformats.org/officeDocument/2006/relationships" xmlns:ac="http://schemas.microsoft.com/office/drawing/2013/main/command" xmlns:pc="http://schemas.microsoft.com/office/powerpoint/2013/main/command">
+  <pc:docChgLst>
+    <pc:chgData name="Kilner, Drew" userId="S::kilnerdr@rose-hulman.edu::4605ac08-cf9c-4e05-ad60-e2a9d61f16dd" providerId="AD" clId="Web-{3E78D8AC-D8D8-6E72-BCC5-545D25E9333C}"/>
+    <pc:docChg chg="modSld">
+      <pc:chgData name="Kilner, Drew" userId="S::kilnerdr@rose-hulman.edu::4605ac08-cf9c-4e05-ad60-e2a9d61f16dd" providerId="AD" clId="Web-{3E78D8AC-D8D8-6E72-BCC5-545D25E9333C}" dt="2023-11-13T05:27:28.460" v="22" actId="20577"/>
+      <pc:docMkLst>
+        <pc:docMk/>
+      </pc:docMkLst>
+      <pc:sldChg chg="modSp">
+        <pc:chgData name="Kilner, Drew" userId="S::kilnerdr@rose-hulman.edu::4605ac08-cf9c-4e05-ad60-e2a9d61f16dd" providerId="AD" clId="Web-{3E78D8AC-D8D8-6E72-BCC5-545D25E9333C}" dt="2023-11-13T05:27:28.460" v="22" actId="20577"/>
+        <pc:sldMkLst>
+          <pc:docMk/>
+          <pc:sldMk cId="3689646872" sldId="265"/>
+        </pc:sldMkLst>
+        <pc:spChg chg="mod">
+          <ac:chgData name="Kilner, Drew" userId="S::kilnerdr@rose-hulman.edu::4605ac08-cf9c-4e05-ad60-e2a9d61f16dd" providerId="AD" clId="Web-{3E78D8AC-D8D8-6E72-BCC5-545D25E9333C}" dt="2023-11-13T05:27:28.460" v="22" actId="20577"/>
+          <ac:spMkLst>
+            <pc:docMk/>
+            <pc:sldMk cId="3689646872" sldId="265"/>
+            <ac:spMk id="3" creationId="{1D965328-3604-D246-EC07-B8F001DE710D}"/>
+          </ac:spMkLst>
+        </pc:spChg>
+      </pc:sldChg>
+    </pc:docChg>
+  </pc:docChgLst>
+  <pc:docChgLst>
+    <pc:chgData name="Guest User" userId="S::urn:spo:anon#45cebd385633e8f1b316e57193dc152ae43073c6a40db9c94c411d353295fbbe::" providerId="AD" clId="Web-{2D366D78-7245-07D2-4ACE-AE7EC48CE589}"/>
+    <pc:docChg chg="modSld">
+      <pc:chgData name="Guest User" userId="S::urn:spo:anon#45cebd385633e8f1b316e57193dc152ae43073c6a40db9c94c411d353295fbbe::" providerId="AD" clId="Web-{2D366D78-7245-07D2-4ACE-AE7EC48CE589}" dt="2023-11-13T02:10:04.851" v="4" actId="20577"/>
+      <pc:docMkLst>
+        <pc:docMk/>
+      </pc:docMkLst>
+      <pc:sldChg chg="modSp">
+        <pc:chgData name="Guest User" userId="S::urn:spo:anon#45cebd385633e8f1b316e57193dc152ae43073c6a40db9c94c411d353295fbbe::" providerId="AD" clId="Web-{2D366D78-7245-07D2-4ACE-AE7EC48CE589}" dt="2023-11-13T02:10:04.851" v="4" actId="20577"/>
+        <pc:sldMkLst>
+          <pc:docMk/>
+          <pc:sldMk cId="1088823960" sldId="259"/>
+        </pc:sldMkLst>
+        <pc:spChg chg="mod">
+          <ac:chgData name="Guest User" userId="S::urn:spo:anon#45cebd385633e8f1b316e57193dc152ae43073c6a40db9c94c411d353295fbbe::" providerId="AD" clId="Web-{2D366D78-7245-07D2-4ACE-AE7EC48CE589}" dt="2023-11-13T02:10:04.851" v="4" actId="20577"/>
+          <ac:spMkLst>
+            <pc:docMk/>
+            <pc:sldMk cId="1088823960" sldId="259"/>
+            <ac:spMk id="3" creationId="{5CC33982-DF65-CAE0-E73F-47E451E338EA}"/>
+          </ac:spMkLst>
+        </pc:spChg>
+      </pc:sldChg>
+    </pc:docChg>
+  </pc:docChgLst>
+  <pc:docChgLst>
+    <pc:chgData name="Granade, Eli" userId="aad9006c-9ad3-445c-b18d-c9ace00be3a8" providerId="ADAL" clId="{B22A032F-5FF8-431A-84D8-3F2DEEBEA4C2}"/>
+    <pc:docChg chg="modSld">
+      <pc:chgData name="Granade, Eli" userId="aad9006c-9ad3-445c-b18d-c9ace00be3a8" providerId="ADAL" clId="{B22A032F-5FF8-431A-84D8-3F2DEEBEA4C2}" dt="2023-11-13T13:33:41.021" v="0" actId="20577"/>
+      <pc:docMkLst>
+        <pc:docMk/>
+      </pc:docMkLst>
+      <pc:sldChg chg="modSp mod">
+        <pc:chgData name="Granade, Eli" userId="aad9006c-9ad3-445c-b18d-c9ace00be3a8" providerId="ADAL" clId="{B22A032F-5FF8-431A-84D8-3F2DEEBEA4C2}" dt="2023-11-13T13:33:41.021" v="0" actId="20577"/>
+        <pc:sldMkLst>
+          <pc:docMk/>
+          <pc:sldMk cId="3689646872" sldId="265"/>
+        </pc:sldMkLst>
+        <pc:spChg chg="mod">
+          <ac:chgData name="Granade, Eli" userId="aad9006c-9ad3-445c-b18d-c9ace00be3a8" providerId="ADAL" clId="{B22A032F-5FF8-431A-84D8-3F2DEEBEA4C2}" dt="2023-11-13T13:33:41.021" v="0" actId="20577"/>
+          <ac:spMkLst>
+            <pc:docMk/>
+            <pc:sldMk cId="3689646872" sldId="265"/>
+            <ac:spMk id="3" creationId="{1D965328-3604-D246-EC07-B8F001DE710D}"/>
+          </ac:spMkLst>
+        </pc:spChg>
+      </pc:sldChg>
+    </pc:docChg>
+  </pc:docChgLst>
   <pc:docChgLst>
     <pc:chgData name="Granade, Eli" userId="aad9006c-9ad3-445c-b18d-c9ace00be3a8" providerId="ADAL" clId="{664DC98D-C937-4202-B8DF-0A68D0C64472}"/>
     <pc:docChg chg="undo custSel addSld delSld modSld">
@@ -493,7 +567,6 @@
               <a:rPr lang="en-US"/>
               <a:t>Click to edit Master title style</a:t>
             </a:r>
-            <a:endParaRPr lang="en-US" dirty="0"/>
           </a:p>
         </p:txBody>
       </p:sp>
@@ -614,7 +687,6 @@
               <a:rPr lang="en-US"/>
               <a:t>Click to edit Master subtitle style</a:t>
             </a:r>
-            <a:endParaRPr lang="en-US" dirty="0"/>
           </a:p>
         </p:txBody>
       </p:sp>
@@ -635,7 +707,7 @@
           <a:p>
             <a:fld id="{999A8DD2-C443-44AD-85B3-4CE72B962C5F}" type="datetimeFigureOut">
               <a:rPr lang="en-US" smtClean="0"/>
-              <a:t>11/12/2023</a:t>
+              <a:t>11/13/2023</a:t>
             </a:fld>
             <a:endParaRPr lang="en-US"/>
           </a:p>
@@ -907,7 +979,6 @@
               <a:rPr lang="en-US"/>
               <a:t>Click to edit Master title style</a:t>
             </a:r>
-            <a:endParaRPr lang="en-US" dirty="0"/>
           </a:p>
         </p:txBody>
       </p:sp>
@@ -994,7 +1065,6 @@
               <a:rPr lang="en-US"/>
               <a:t>Click icon to add picture</a:t>
             </a:r>
-            <a:endParaRPr lang="en-US" dirty="0"/>
           </a:p>
         </p:txBody>
       </p:sp>
@@ -1071,7 +1141,7 @@
           <a:p>
             <a:fld id="{999A8DD2-C443-44AD-85B3-4CE72B962C5F}" type="datetimeFigureOut">
               <a:rPr lang="en-US" smtClean="0"/>
-              <a:t>11/12/2023</a:t>
+              <a:t>11/13/2023</a:t>
             </a:fld>
             <a:endParaRPr lang="en-US"/>
           </a:p>
@@ -1179,7 +1249,6 @@
               <a:rPr lang="en-US"/>
               <a:t>Click to edit Master title style</a:t>
             </a:r>
-            <a:endParaRPr lang="en-US" dirty="0"/>
           </a:p>
         </p:txBody>
       </p:sp>
@@ -1321,7 +1390,7 @@
           <a:p>
             <a:fld id="{999A8DD2-C443-44AD-85B3-4CE72B962C5F}" type="datetimeFigureOut">
               <a:rPr lang="en-US" smtClean="0"/>
-              <a:t>11/12/2023</a:t>
+              <a:t>11/13/2023</a:t>
             </a:fld>
             <a:endParaRPr lang="en-US"/>
           </a:p>
@@ -1433,7 +1502,6 @@
               <a:rPr lang="en-US"/>
               <a:t>Click to edit Master title style</a:t>
             </a:r>
-            <a:endParaRPr lang="en-US" dirty="0"/>
           </a:p>
         </p:txBody>
       </p:sp>
@@ -1629,7 +1697,7 @@
           <a:p>
             <a:fld id="{999A8DD2-C443-44AD-85B3-4CE72B962C5F}" type="datetimeFigureOut">
               <a:rPr lang="en-US" smtClean="0"/>
-              <a:t>11/12/2023</a:t>
+              <a:t>11/13/2023</a:t>
             </a:fld>
             <a:endParaRPr lang="en-US"/>
           </a:p>
@@ -1700,7 +1768,7 @@
           <a:p>
             <a:pPr lvl="0"/>
             <a:r>
-              <a:rPr lang="en-US" sz="8000" dirty="0">
+              <a:rPr lang="en-US" sz="8000">
                 <a:solidFill>
                   <a:schemeClr val="tx1"/>
                 </a:solidFill>
@@ -1734,7 +1802,7 @@
           <a:p>
             <a:pPr lvl="0" algn="r"/>
             <a:r>
-              <a:rPr lang="en-US" sz="8000" dirty="0">
+              <a:rPr lang="en-US" sz="8000">
                 <a:solidFill>
                   <a:schemeClr val="tx1"/>
                 </a:solidFill>
@@ -1805,7 +1873,6 @@
               <a:rPr lang="en-US"/>
               <a:t>Click to edit Master title style</a:t>
             </a:r>
-            <a:endParaRPr lang="en-US" dirty="0"/>
           </a:p>
         </p:txBody>
       </p:sp>
@@ -1947,7 +2014,7 @@
           <a:p>
             <a:fld id="{999A8DD2-C443-44AD-85B3-4CE72B962C5F}" type="datetimeFigureOut">
               <a:rPr lang="en-US" smtClean="0"/>
-              <a:t>11/12/2023</a:t>
+              <a:t>11/13/2023</a:t>
             </a:fld>
             <a:endParaRPr lang="en-US"/>
           </a:p>
@@ -2059,7 +2126,6 @@
               <a:rPr lang="en-US"/>
               <a:t>Click to edit Master title style</a:t>
             </a:r>
-            <a:endParaRPr lang="en-US" dirty="0"/>
           </a:p>
         </p:txBody>
       </p:sp>
@@ -2249,7 +2315,7 @@
           <a:p>
             <a:fld id="{999A8DD2-C443-44AD-85B3-4CE72B962C5F}" type="datetimeFigureOut">
               <a:rPr lang="en-US" smtClean="0"/>
-              <a:t>11/12/2023</a:t>
+              <a:t>11/13/2023</a:t>
             </a:fld>
             <a:endParaRPr lang="en-US"/>
           </a:p>
@@ -2320,7 +2386,7 @@
           <a:p>
             <a:pPr lvl="0"/>
             <a:r>
-              <a:rPr lang="en-US" sz="8000" dirty="0">
+              <a:rPr lang="en-US" sz="8000">
                 <a:solidFill>
                   <a:schemeClr val="tx1"/>
                 </a:solidFill>
@@ -2354,7 +2420,7 @@
           <a:p>
             <a:pPr lvl="0" algn="r"/>
             <a:r>
-              <a:rPr lang="en-US" sz="8000" dirty="0">
+              <a:rPr lang="en-US" sz="8000">
                 <a:solidFill>
                   <a:schemeClr val="tx1"/>
                 </a:solidFill>
@@ -2426,7 +2492,6 @@
               <a:rPr lang="en-US"/>
               <a:t>Click to edit Master title style</a:t>
             </a:r>
-            <a:endParaRPr lang="en-US" dirty="0"/>
           </a:p>
         </p:txBody>
       </p:sp>
@@ -2616,7 +2681,7 @@
           <a:p>
             <a:fld id="{999A8DD2-C443-44AD-85B3-4CE72B962C5F}" type="datetimeFigureOut">
               <a:rPr lang="en-US" smtClean="0"/>
-              <a:t>11/12/2023</a:t>
+              <a:t>11/13/2023</a:t>
             </a:fld>
             <a:endParaRPr lang="en-US"/>
           </a:p>
@@ -2717,7 +2782,6 @@
               <a:rPr lang="en-US"/>
               <a:t>Click to edit Master title style</a:t>
             </a:r>
-            <a:endParaRPr lang="en-US" dirty="0"/>
           </a:p>
         </p:txBody>
       </p:sp>
@@ -2769,7 +2833,6 @@
               <a:rPr lang="en-US"/>
               <a:t>Fifth level</a:t>
             </a:r>
-            <a:endParaRPr lang="en-US" dirty="0"/>
           </a:p>
         </p:txBody>
       </p:sp>
@@ -2790,7 +2853,7 @@
           <a:p>
             <a:fld id="{999A8DD2-C443-44AD-85B3-4CE72B962C5F}" type="datetimeFigureOut">
               <a:rPr lang="en-US" smtClean="0"/>
-              <a:t>11/12/2023</a:t>
+              <a:t>11/13/2023</a:t>
             </a:fld>
             <a:endParaRPr lang="en-US"/>
           </a:p>
@@ -2892,7 +2955,6 @@
               <a:rPr lang="en-US"/>
               <a:t>Click to edit Master title style</a:t>
             </a:r>
-            <a:endParaRPr lang="en-US" dirty="0"/>
           </a:p>
         </p:txBody>
       </p:sp>
@@ -2949,7 +3011,6 @@
               <a:rPr lang="en-US"/>
               <a:t>Fifth level</a:t>
             </a:r>
-            <a:endParaRPr lang="en-US" dirty="0"/>
           </a:p>
         </p:txBody>
       </p:sp>
@@ -2970,7 +3031,7 @@
           <a:p>
             <a:fld id="{999A8DD2-C443-44AD-85B3-4CE72B962C5F}" type="datetimeFigureOut">
               <a:rPr lang="en-US" smtClean="0"/>
-              <a:t>11/12/2023</a:t>
+              <a:t>11/13/2023</a:t>
             </a:fld>
             <a:endParaRPr lang="en-US"/>
           </a:p>
@@ -3067,7 +3128,6 @@
               <a:rPr lang="en-US"/>
               <a:t>Click to edit Master title style</a:t>
             </a:r>
-            <a:endParaRPr lang="en-US" dirty="0"/>
           </a:p>
         </p:txBody>
       </p:sp>
@@ -3119,7 +3179,6 @@
               <a:rPr lang="en-US"/>
               <a:t>Fifth level</a:t>
             </a:r>
-            <a:endParaRPr lang="en-US" dirty="0"/>
           </a:p>
         </p:txBody>
       </p:sp>
@@ -3140,7 +3199,7 @@
           <a:p>
             <a:fld id="{999A8DD2-C443-44AD-85B3-4CE72B962C5F}" type="datetimeFigureOut">
               <a:rPr lang="en-US" smtClean="0"/>
-              <a:t>11/12/2023</a:t>
+              <a:t>11/13/2023</a:t>
             </a:fld>
             <a:endParaRPr lang="en-US"/>
           </a:p>
@@ -3248,7 +3307,6 @@
               <a:rPr lang="en-US"/>
               <a:t>Click to edit Master title style</a:t>
             </a:r>
-            <a:endParaRPr lang="en-US" dirty="0"/>
           </a:p>
         </p:txBody>
       </p:sp>
@@ -3390,7 +3448,7 @@
           <a:p>
             <a:fld id="{999A8DD2-C443-44AD-85B3-4CE72B962C5F}" type="datetimeFigureOut">
               <a:rPr lang="en-US" smtClean="0"/>
-              <a:t>11/12/2023</a:t>
+              <a:t>11/13/2023</a:t>
             </a:fld>
             <a:endParaRPr lang="en-US"/>
           </a:p>
@@ -3487,7 +3545,6 @@
               <a:rPr lang="en-US"/>
               <a:t>Click to edit Master title style</a:t>
             </a:r>
-            <a:endParaRPr lang="en-US" dirty="0"/>
           </a:p>
         </p:txBody>
       </p:sp>
@@ -3546,7 +3603,6 @@
               <a:rPr lang="en-US"/>
               <a:t>Fifth level</a:t>
             </a:r>
-            <a:endParaRPr lang="en-US" dirty="0"/>
           </a:p>
         </p:txBody>
       </p:sp>
@@ -3605,7 +3661,6 @@
               <a:rPr lang="en-US"/>
               <a:t>Fifth level</a:t>
             </a:r>
-            <a:endParaRPr lang="en-US" dirty="0"/>
           </a:p>
         </p:txBody>
       </p:sp>
@@ -3626,7 +3681,7 @@
           <a:p>
             <a:fld id="{999A8DD2-C443-44AD-85B3-4CE72B962C5F}" type="datetimeFigureOut">
               <a:rPr lang="en-US" smtClean="0"/>
-              <a:t>11/12/2023</a:t>
+              <a:t>11/13/2023</a:t>
             </a:fld>
             <a:endParaRPr lang="en-US"/>
           </a:p>
@@ -3727,7 +3782,6 @@
               <a:rPr lang="en-US"/>
               <a:t>Click to edit Master title style</a:t>
             </a:r>
-            <a:endParaRPr lang="en-US" dirty="0"/>
           </a:p>
         </p:txBody>
       </p:sp>
@@ -3857,7 +3911,6 @@
               <a:rPr lang="en-US"/>
               <a:t>Fifth level</a:t>
             </a:r>
-            <a:endParaRPr lang="en-US" dirty="0"/>
           </a:p>
         </p:txBody>
       </p:sp>
@@ -3987,7 +4040,6 @@
               <a:rPr lang="en-US"/>
               <a:t>Fifth level</a:t>
             </a:r>
-            <a:endParaRPr lang="en-US" dirty="0"/>
           </a:p>
         </p:txBody>
       </p:sp>
@@ -4008,7 +4060,7 @@
           <a:p>
             <a:fld id="{999A8DD2-C443-44AD-85B3-4CE72B962C5F}" type="datetimeFigureOut">
               <a:rPr lang="en-US" smtClean="0"/>
-              <a:t>11/12/2023</a:t>
+              <a:t>11/13/2023</a:t>
             </a:fld>
             <a:endParaRPr lang="en-US"/>
           </a:p>
@@ -4105,7 +4157,6 @@
               <a:rPr lang="en-US"/>
               <a:t>Click to edit Master title style</a:t>
             </a:r>
-            <a:endParaRPr lang="en-US" dirty="0"/>
           </a:p>
         </p:txBody>
       </p:sp>
@@ -4126,7 +4177,7 @@
           <a:p>
             <a:fld id="{999A8DD2-C443-44AD-85B3-4CE72B962C5F}" type="datetimeFigureOut">
               <a:rPr lang="en-US" smtClean="0"/>
-              <a:t>11/12/2023</a:t>
+              <a:t>11/13/2023</a:t>
             </a:fld>
             <a:endParaRPr lang="en-US"/>
           </a:p>
@@ -4221,7 +4272,7 @@
           <a:p>
             <a:fld id="{999A8DD2-C443-44AD-85B3-4CE72B962C5F}" type="datetimeFigureOut">
               <a:rPr lang="en-US" smtClean="0"/>
-              <a:t>11/12/2023</a:t>
+              <a:t>11/13/2023</a:t>
             </a:fld>
             <a:endParaRPr lang="en-US"/>
           </a:p>
@@ -4329,7 +4380,6 @@
               <a:rPr lang="en-US"/>
               <a:t>Click to edit Master title style</a:t>
             </a:r>
-            <a:endParaRPr lang="en-US" dirty="0"/>
           </a:p>
         </p:txBody>
       </p:sp>
@@ -4388,7 +4438,6 @@
               <a:rPr lang="en-US"/>
               <a:t>Fifth level</a:t>
             </a:r>
-            <a:endParaRPr lang="en-US" dirty="0"/>
           </a:p>
         </p:txBody>
       </p:sp>
@@ -4476,7 +4525,7 @@
           <a:p>
             <a:fld id="{999A8DD2-C443-44AD-85B3-4CE72B962C5F}" type="datetimeFigureOut">
               <a:rPr lang="en-US" smtClean="0"/>
-              <a:t>11/12/2023</a:t>
+              <a:t>11/13/2023</a:t>
             </a:fld>
             <a:endParaRPr lang="en-US"/>
           </a:p>
@@ -4584,7 +4633,6 @@
               <a:rPr lang="en-US"/>
               <a:t>Click to edit Master title style</a:t>
             </a:r>
-            <a:endParaRPr lang="en-US" dirty="0"/>
           </a:p>
         </p:txBody>
       </p:sp>
@@ -4671,7 +4719,6 @@
               <a:rPr lang="en-US"/>
               <a:t>Click icon to add picture</a:t>
             </a:r>
-            <a:endParaRPr lang="en-US" dirty="0"/>
           </a:p>
         </p:txBody>
       </p:sp>
@@ -4759,7 +4806,7 @@
           <a:p>
             <a:fld id="{999A8DD2-C443-44AD-85B3-4CE72B962C5F}" type="datetimeFigureOut">
               <a:rPr lang="en-US" smtClean="0"/>
-              <a:t>11/12/2023</a:t>
+              <a:t>11/13/2023</a:t>
             </a:fld>
             <a:endParaRPr lang="en-US"/>
           </a:p>
@@ -5062,7 +5109,6 @@
               <a:rPr lang="en-US"/>
               <a:t>Click to edit Master title style</a:t>
             </a:r>
-            <a:endParaRPr lang="en-US" dirty="0"/>
           </a:p>
         </p:txBody>
       </p:sp>
@@ -5124,7 +5170,6 @@
               <a:rPr lang="en-US"/>
               <a:t>Fifth level</a:t>
             </a:r>
-            <a:endParaRPr lang="en-US" dirty="0"/>
           </a:p>
         </p:txBody>
       </p:sp>
@@ -5165,7 +5210,7 @@
           <a:p>
             <a:fld id="{999A8DD2-C443-44AD-85B3-4CE72B962C5F}" type="datetimeFigureOut">
               <a:rPr lang="en-US" smtClean="0"/>
-              <a:t>11/12/2023</a:t>
+              <a:t>11/13/2023</a:t>
             </a:fld>
             <a:endParaRPr lang="en-US"/>
           </a:p>
@@ -5722,25 +5767,25 @@
           <a:lstStyle/>
           <a:p>
             <a:r>
-              <a:rPr lang="en-US" dirty="0"/>
+              <a:rPr lang="en-US"/>
               <a:t>MISC-V Processor</a:t>
             </a:r>
             <a:br>
-              <a:rPr lang="en-US" dirty="0"/>
+              <a:rPr lang="en-US"/>
             </a:br>
             <a:r>
-              <a:rPr lang="en-US" sz="1400" dirty="0"/>
+              <a:rPr lang="en-US" sz="1400"/>
               <a:t>by team Orange: Drew, Julian, </a:t>
             </a:r>
             <a:r>
-              <a:rPr lang="en-US" sz="1400" dirty="0" err="1"/>
+              <a:rPr lang="en-US" sz="1400" err="1"/>
               <a:t>Ziyu</a:t>
             </a:r>
             <a:r>
-              <a:rPr lang="en-US" sz="1400" dirty="0"/>
+              <a:rPr lang="en-US" sz="1400"/>
               <a:t>, Yash, and Eli</a:t>
             </a:r>
-            <a:endParaRPr lang="en-US" dirty="0"/>
+            <a:endParaRPr lang="en-US"/>
           </a:p>
         </p:txBody>
       </p:sp>
@@ -5796,7 +5841,7 @@
           <a:lstStyle/>
           <a:p>
             <a:r>
-              <a:rPr lang="en-US" dirty="0"/>
+              <a:rPr lang="en-US"/>
               <a:t>Brief Overview</a:t>
             </a:r>
           </a:p>
@@ -5824,30 +5869,30 @@
           <a:lstStyle/>
           <a:p>
             <a:r>
-              <a:rPr lang="en-US" dirty="0"/>
+              <a:rPr lang="en-US"/>
               <a:t>A Pipelined Load-Store Architecture mimicking RISC-V</a:t>
             </a:r>
           </a:p>
           <a:p>
             <a:r>
-              <a:rPr lang="en-US" dirty="0"/>
+              <a:rPr lang="en-US"/>
               <a:t>Focuses on speed and ease of programming</a:t>
             </a:r>
           </a:p>
           <a:p>
             <a:r>
-              <a:rPr lang="en-US" dirty="0"/>
+              <a:rPr lang="en-US"/>
               <a:t>Instructions picked specifically for the Euclid’s Algorithm program</a:t>
             </a:r>
           </a:p>
           <a:p>
             <a:r>
-              <a:rPr lang="en-US" dirty="0"/>
+              <a:rPr lang="en-US"/>
               <a:t>Symbol based Assembly language. </a:t>
             </a:r>
           </a:p>
           <a:p>
-            <a:endParaRPr lang="en-US" dirty="0"/>
+            <a:endParaRPr lang="en-US"/>
           </a:p>
         </p:txBody>
       </p:sp>
@@ -5903,7 +5948,7 @@
           <a:lstStyle/>
           <a:p>
             <a:r>
-              <a:rPr lang="en-US" dirty="0"/>
+              <a:rPr lang="en-US"/>
               <a:t>Instruction symbols</a:t>
             </a:r>
           </a:p>
@@ -5931,38 +5976,45 @@
           <a:lstStyle/>
           <a:p>
             <a:r>
-              <a:rPr lang="en-US" dirty="0"/>
+              <a:rPr lang="en-US"/>
               <a:t>All instructions are symbol based:</a:t>
             </a:r>
           </a:p>
           <a:p>
             <a:r>
-              <a:rPr lang="en-US" dirty="0"/>
+              <a:rPr lang="en-US"/>
               <a:t>Simple arithmetic instructions like +, -, and &amp;</a:t>
             </a:r>
           </a:p>
           <a:p>
             <a:r>
-              <a:rPr lang="en-US" dirty="0"/>
+              <a:rPr lang="en-US"/>
               <a:t>Immediate instructions have underscores: +_, X|_, &lt;&lt;_</a:t>
             </a:r>
           </a:p>
           <a:p>
             <a:r>
-              <a:rPr lang="en-US" dirty="0"/>
+              <a:rPr lang="en-US"/>
               <a:t>Branches are denoted by Y: Y=, Y&lt;</a:t>
             </a:r>
           </a:p>
           <a:p>
             <a:r>
-              <a:rPr lang="en-US" dirty="0"/>
+              <a:rPr lang="en-US"/>
               <a:t>Memory instructions are arrows: &lt;-, -&gt;</a:t>
             </a:r>
           </a:p>
           <a:p>
             <a:r>
-              <a:rPr lang="en-US" dirty="0"/>
-              <a:t>Jumps: \/, /\</a:t>
+              <a:rPr lang="en-US"/>
+              <a:t>Jumps: </a:t>
+            </a:r>
+            <a:r>
+              <a:rPr lang="en-US">
+                <a:latin typeface="Calibri"/>
+                <a:cs typeface="Calibri"/>
+              </a:rPr>
+              <a:t>\/, /\</a:t>
             </a:r>
           </a:p>
         </p:txBody>
@@ -6024,7 +6076,7 @@
           <a:lstStyle/>
           <a:p>
             <a:r>
-              <a:rPr lang="en-US" dirty="0"/>
+              <a:rPr lang="en-US"/>
               <a:t>Registers/command construction</a:t>
             </a:r>
           </a:p>
@@ -6057,29 +6109,29 @@
           <a:lstStyle/>
           <a:p>
             <a:r>
-              <a:rPr lang="en-US" dirty="0"/>
+              <a:rPr lang="en-US"/>
               <a:t>8 registers total:</a:t>
             </a:r>
           </a:p>
           <a:p>
             <a:r>
-              <a:rPr lang="en-US" dirty="0"/>
+              <a:rPr lang="en-US"/>
               <a:t>Zero, </a:t>
             </a:r>
             <a:r>
-              <a:rPr lang="en-US" dirty="0" err="1"/>
+              <a:rPr lang="en-US" err="1"/>
               <a:t>ra</a:t>
             </a:r>
             <a:r>
-              <a:rPr lang="en-US" dirty="0"/>
+              <a:rPr lang="en-US"/>
               <a:t>, </a:t>
             </a:r>
             <a:r>
-              <a:rPr lang="en-US" dirty="0" err="1"/>
+              <a:rPr lang="en-US" err="1"/>
               <a:t>sp</a:t>
             </a:r>
             <a:r>
-              <a:rPr lang="en-US" dirty="0"/>
+              <a:rPr lang="en-US"/>
               <a:t>, at, a0, a1, s0, s1</a:t>
             </a:r>
           </a:p>
@@ -6149,12 +6201,12 @@
                         </a:spcAft>
                       </a:pPr>
                       <a:r>
-                        <a:rPr lang="en-US" sz="2400" kern="100" dirty="0">
+                        <a:rPr lang="en-US" sz="2400" kern="100">
                           <a:effectLst/>
                         </a:rPr>
                         <a:t>Type</a:t>
                       </a:r>
-                      <a:endParaRPr lang="en-US" sz="2400" kern="100" dirty="0">
+                      <a:endParaRPr lang="en-US" sz="2400" kern="100">
                         <a:effectLst/>
                         <a:latin typeface="Calibri" panose="020F0502020204030204" pitchFamily="34" charset="0"/>
                         <a:ea typeface="Calibri" panose="020F0502020204030204" pitchFamily="34" charset="0"/>
@@ -6181,12 +6233,12 @@
                         </a:spcAft>
                       </a:pPr>
                       <a:r>
-                        <a:rPr lang="en-US" sz="2400" kern="100" dirty="0">
+                        <a:rPr lang="en-US" sz="2400" kern="100">
                           <a:effectLst/>
                         </a:rPr>
                         <a:t>Layout</a:t>
                       </a:r>
-                      <a:endParaRPr lang="en-US" sz="2400" kern="100" dirty="0">
+                      <a:endParaRPr lang="en-US" sz="2400" kern="100">
                         <a:effectLst/>
                         <a:latin typeface="Calibri" panose="020F0502020204030204" pitchFamily="34" charset="0"/>
                         <a:ea typeface="Calibri" panose="020F0502020204030204" pitchFamily="34" charset="0"/>
@@ -6252,18 +6304,18 @@
                         </a:spcAft>
                       </a:pPr>
                       <a:r>
-                        <a:rPr lang="en-US" sz="2400" kern="100" dirty="0">
+                        <a:rPr lang="en-US" sz="2400" kern="100">
                           <a:effectLst/>
                         </a:rPr>
                         <a:t>rs1 (op) rs2, </a:t>
                       </a:r>
                       <a:r>
-                        <a:rPr lang="en-US" sz="2400" kern="100" dirty="0" err="1">
+                        <a:rPr lang="en-US" sz="2400" kern="100" err="1">
                           <a:effectLst/>
                         </a:rPr>
                         <a:t>rd</a:t>
                       </a:r>
-                      <a:endParaRPr lang="en-US" sz="2400" kern="100" dirty="0">
+                      <a:endParaRPr lang="en-US" sz="2400" kern="100">
                         <a:effectLst/>
                         <a:latin typeface="Calibri" panose="020F0502020204030204" pitchFamily="34" charset="0"/>
                         <a:ea typeface="Calibri" panose="020F0502020204030204" pitchFamily="34" charset="0"/>
@@ -6329,30 +6381,30 @@
                         </a:spcAft>
                       </a:pPr>
                       <a:r>
-                        <a:rPr lang="en-US" sz="2400" kern="100" dirty="0">
+                        <a:rPr lang="en-US" sz="2400" kern="100">
                           <a:effectLst/>
                         </a:rPr>
                         <a:t>rs1 (op) </a:t>
                       </a:r>
                       <a:r>
-                        <a:rPr lang="en-US" sz="2400" kern="100" dirty="0" err="1">
+                        <a:rPr lang="en-US" sz="2400" kern="100" err="1">
                           <a:effectLst/>
                         </a:rPr>
                         <a:t>imm</a:t>
                       </a:r>
                       <a:r>
-                        <a:rPr lang="en-US" sz="2400" kern="100" dirty="0">
+                        <a:rPr lang="en-US" sz="2400" kern="100">
                           <a:effectLst/>
                         </a:rPr>
                         <a:t>, </a:t>
                       </a:r>
                       <a:r>
-                        <a:rPr lang="en-US" sz="2400" kern="100" dirty="0" err="1">
+                        <a:rPr lang="en-US" sz="2400" kern="100" err="1">
                           <a:effectLst/>
                         </a:rPr>
                         <a:t>rd</a:t>
                       </a:r>
-                      <a:endParaRPr lang="en-US" sz="2400" kern="100" dirty="0">
+                      <a:endParaRPr lang="en-US" sz="2400" kern="100">
                         <a:effectLst/>
                         <a:latin typeface="Calibri" panose="020F0502020204030204" pitchFamily="34" charset="0"/>
                         <a:ea typeface="Calibri" panose="020F0502020204030204" pitchFamily="34" charset="0"/>
@@ -6418,18 +6470,18 @@
                         </a:spcAft>
                       </a:pPr>
                       <a:r>
-                        <a:rPr lang="en-US" sz="2400" kern="100" dirty="0" err="1">
+                        <a:rPr lang="en-US" sz="2400" kern="100" err="1">
                           <a:effectLst/>
                         </a:rPr>
                         <a:t>rd</a:t>
                       </a:r>
                       <a:r>
-                        <a:rPr lang="en-US" sz="2400" kern="100" dirty="0">
+                        <a:rPr lang="en-US" sz="2400" kern="100">
                           <a:effectLst/>
                         </a:rPr>
                         <a:t> (op) rs1+imm</a:t>
                       </a:r>
-                      <a:endParaRPr lang="en-US" sz="2400" kern="100" dirty="0">
+                      <a:endParaRPr lang="en-US" sz="2400" kern="100">
                         <a:effectLst/>
                         <a:latin typeface="Calibri" panose="020F0502020204030204" pitchFamily="34" charset="0"/>
                         <a:ea typeface="Calibri" panose="020F0502020204030204" pitchFamily="34" charset="0"/>
@@ -6495,18 +6547,18 @@
                         </a:spcAft>
                       </a:pPr>
                       <a:r>
-                        <a:rPr lang="en-US" sz="2400" kern="100" dirty="0">
+                        <a:rPr lang="en-US" sz="2400" kern="100">
                           <a:effectLst/>
                         </a:rPr>
                         <a:t>rs1 (op) rs2, </a:t>
                       </a:r>
                       <a:r>
-                        <a:rPr lang="en-US" sz="2400" kern="100" dirty="0" err="1">
+                        <a:rPr lang="en-US" sz="2400" kern="100" err="1">
                           <a:effectLst/>
                         </a:rPr>
                         <a:t>imm</a:t>
                       </a:r>
-                      <a:endParaRPr lang="en-US" sz="2400" kern="100" dirty="0">
+                      <a:endParaRPr lang="en-US" sz="2400" kern="100">
                         <a:effectLst/>
                         <a:latin typeface="Calibri" panose="020F0502020204030204" pitchFamily="34" charset="0"/>
                         <a:ea typeface="Calibri" panose="020F0502020204030204" pitchFamily="34" charset="0"/>
@@ -6572,24 +6624,24 @@
                         </a:spcAft>
                       </a:pPr>
                       <a:r>
-                        <a:rPr lang="en-US" sz="2400" kern="100" dirty="0" err="1">
+                        <a:rPr lang="en-US" sz="2400" kern="100" err="1">
                           <a:effectLst/>
                         </a:rPr>
                         <a:t>rd</a:t>
                       </a:r>
                       <a:r>
-                        <a:rPr lang="en-US" sz="2400" kern="100" dirty="0">
+                        <a:rPr lang="en-US" sz="2400" kern="100">
                           <a:effectLst/>
                         </a:rPr>
                         <a:t> (op) </a:t>
                       </a:r>
                       <a:r>
-                        <a:rPr lang="en-US" sz="2400" kern="100" dirty="0" err="1">
+                        <a:rPr lang="en-US" sz="2400" kern="100" err="1">
                           <a:effectLst/>
                         </a:rPr>
                         <a:t>imm</a:t>
                       </a:r>
-                      <a:endParaRPr lang="en-US" sz="2400" kern="100" dirty="0">
+                      <a:endParaRPr lang="en-US" sz="2400" kern="100">
                         <a:effectLst/>
                         <a:latin typeface="Calibri" panose="020F0502020204030204" pitchFamily="34" charset="0"/>
                         <a:ea typeface="Calibri" panose="020F0502020204030204" pitchFamily="34" charset="0"/>
@@ -6661,7 +6713,7 @@
           <a:lstStyle/>
           <a:p>
             <a:r>
-              <a:rPr lang="en-US" dirty="0"/>
+              <a:rPr lang="en-US"/>
               <a:t>Example program</a:t>
             </a:r>
           </a:p>
@@ -6692,30 +6744,25 @@
               <a:buNone/>
             </a:pPr>
             <a:r>
-              <a:rPr lang="en-US" dirty="0"/>
-              <a:t>On the back of the handout there is an </a:t>
-            </a:r>
-            <a:r>
-              <a:rPr lang="en-US"/>
-              <a:t>example program:</a:t>
-            </a:r>
-            <a:endParaRPr lang="en-US" dirty="0"/>
-          </a:p>
-          <a:p>
-            <a:r>
-              <a:rPr lang="en-US" dirty="0"/>
+              <a:rPr lang="en-US"/>
+              <a:t>On the back of the handout there is an example program:</a:t>
+            </a:r>
+          </a:p>
+          <a:p>
+            <a:r>
+              <a:rPr lang="en-US"/>
               <a:t>Takes in a location in memory, which holds two numbers</a:t>
             </a:r>
           </a:p>
           <a:p>
             <a:r>
-              <a:rPr lang="en-US" dirty="0"/>
+              <a:rPr lang="en-US"/>
               <a:t>(m0+m1)-(m2+m3)</a:t>
             </a:r>
           </a:p>
           <a:p>
             <a:r>
-              <a:rPr lang="en-US" dirty="0"/>
+              <a:rPr lang="en-US"/>
               <a:t>Then outputs the result</a:t>
             </a:r>
           </a:p>
@@ -6783,7 +6830,6 @@
               <a:rPr lang="en-US"/>
               <a:t>Datapath and Stage Details</a:t>
             </a:r>
-            <a:endParaRPr lang="en-US" dirty="0"/>
           </a:p>
         </p:txBody>
       </p:sp>
@@ -6850,7 +6896,6 @@
               <a:rPr lang="en-US"/>
               <a:t>Writeback</a:t>
             </a:r>
-            <a:endParaRPr lang="en-US" dirty="0"/>
           </a:p>
         </p:txBody>
       </p:sp>
@@ -6952,7 +6997,7 @@
           <a:lstStyle/>
           <a:p>
             <a:r>
-              <a:rPr lang="en-US" dirty="0"/>
+              <a:rPr lang="en-US"/>
               <a:t>RTL</a:t>
             </a:r>
           </a:p>
@@ -7040,7 +7085,7 @@
           <a:lstStyle/>
           <a:p>
             <a:r>
-              <a:rPr lang="en-US" dirty="0"/>
+              <a:rPr lang="en-US"/>
               <a:t>Benchmark Data</a:t>
             </a:r>
           </a:p>
@@ -7064,10 +7109,148 @@
         </p:nvSpPr>
         <p:spPr/>
         <p:txBody>
-          <a:bodyPr/>
-          <a:lstStyle/>
-          <a:p>
-            <a:endParaRPr lang="en-US"/>
+          <a:bodyPr vert="horz" lIns="91440" tIns="45720" rIns="91440" bIns="45720" rtlCol="0" anchor="ctr">
+            <a:noAutofit/>
+          </a:bodyPr>
+          <a:lstStyle/>
+          <a:p>
+            <a:r>
+              <a:rPr lang="en-US" dirty="0">
+                <a:latin typeface="Calibri"/>
+                <a:cs typeface="Calibri"/>
+              </a:rPr>
+              <a:t>Instruction Mem size: 88 bytes using branch delay slot</a:t>
+            </a:r>
+          </a:p>
+          <a:p>
+            <a:pPr>
+              <a:buClr>
+                <a:srgbClr val="FFFFFF"/>
+              </a:buClr>
+            </a:pPr>
+            <a:r>
+              <a:rPr lang="en-US" dirty="0">
+                <a:latin typeface="Calibri"/>
+                <a:ea typeface="+mn-lt"/>
+                <a:cs typeface="+mn-lt"/>
+              </a:rPr>
+              <a:t>Data Mem size: 10 bytes for stack used by functions.</a:t>
+            </a:r>
+            <a:endParaRPr lang="en-US" dirty="0">
+              <a:latin typeface="Calibri"/>
+              <a:cs typeface="Calibri"/>
+            </a:endParaRPr>
+          </a:p>
+          <a:p>
+            <a:pPr>
+              <a:buClr>
+                <a:srgbClr val="FFFFFF"/>
+              </a:buClr>
+            </a:pPr>
+            <a:r>
+              <a:rPr lang="en-US" dirty="0">
+                <a:latin typeface="Calibri"/>
+                <a:ea typeface="+mn-lt"/>
+                <a:cs typeface="+mn-lt"/>
+              </a:rPr>
+              <a:t>total instructions executed when </a:t>
+            </a:r>
+            <a:r>
+              <a:rPr lang="en-US" dirty="0" err="1">
+                <a:latin typeface="Calibri"/>
+                <a:ea typeface="+mn-lt"/>
+                <a:cs typeface="+mn-lt"/>
+              </a:rPr>
+              <a:t>relPrime</a:t>
+            </a:r>
+            <a:r>
+              <a:rPr lang="en-US" dirty="0">
+                <a:latin typeface="Calibri"/>
+                <a:ea typeface="+mn-lt"/>
+                <a:cs typeface="+mn-lt"/>
+              </a:rPr>
+              <a:t> is called with 0x13B0: 71520</a:t>
+            </a:r>
+            <a:endParaRPr lang="en-US" dirty="0">
+              <a:latin typeface="Calibri"/>
+              <a:cs typeface="Calibri"/>
+            </a:endParaRPr>
+          </a:p>
+          <a:p>
+            <a:pPr>
+              <a:buClr>
+                <a:srgbClr val="FFFFFF"/>
+              </a:buClr>
+            </a:pPr>
+            <a:r>
+              <a:rPr lang="en-US" dirty="0">
+                <a:latin typeface="Calibri"/>
+                <a:ea typeface="+mn-lt"/>
+                <a:cs typeface="+mn-lt"/>
+              </a:rPr>
+              <a:t>total number of cycles: 71524</a:t>
+            </a:r>
+            <a:endParaRPr lang="en-US" dirty="0">
+              <a:latin typeface="Calibri"/>
+              <a:cs typeface="Calibri"/>
+            </a:endParaRPr>
+          </a:p>
+          <a:p>
+            <a:pPr>
+              <a:buClr>
+                <a:srgbClr val="FFFFFF"/>
+              </a:buClr>
+            </a:pPr>
+            <a:r>
+              <a:rPr lang="en-US" dirty="0">
+                <a:latin typeface="Calibri"/>
+                <a:ea typeface="+mn-lt"/>
+                <a:cs typeface="+mn-lt"/>
+              </a:rPr>
+              <a:t>The total </a:t>
+            </a:r>
+            <a:r>
+              <a:rPr lang="en-US">
+                <a:latin typeface="Calibri"/>
+                <a:ea typeface="+mn-lt"/>
+                <a:cs typeface="+mn-lt"/>
+              </a:rPr>
+              <a:t>execution time: </a:t>
+            </a:r>
+            <a:r>
+              <a:rPr lang="en-US" dirty="0">
+                <a:latin typeface="Calibri"/>
+                <a:ea typeface="+mn-lt"/>
+                <a:cs typeface="+mn-lt"/>
+              </a:rPr>
+              <a:t>1.2373652 </a:t>
+            </a:r>
+            <a:r>
+              <a:rPr lang="en-US" dirty="0" err="1">
+                <a:latin typeface="Calibri"/>
+                <a:ea typeface="+mn-lt"/>
+                <a:cs typeface="+mn-lt"/>
+              </a:rPr>
+              <a:t>ms</a:t>
+            </a:r>
+            <a:endParaRPr lang="en-US" dirty="0">
+              <a:latin typeface="Calibri"/>
+              <a:cs typeface="Calibri"/>
+            </a:endParaRPr>
+          </a:p>
+          <a:p>
+            <a:pPr>
+              <a:buClr>
+                <a:srgbClr val="FFFFFF"/>
+              </a:buClr>
+            </a:pPr>
+            <a:r>
+              <a:rPr lang="en-US" dirty="0">
+                <a:latin typeface="Calibri"/>
+                <a:cs typeface="Calibri"/>
+              </a:rPr>
+              <a:t>Total logic elements    6,297 / 10,320 ( 61 % )</a:t>
+            </a:r>
           </a:p>
         </p:txBody>
       </p:sp>

--- a/FinalPresentation/Misk-V.pptx
+++ b/FinalPresentation/Misk-V.pptx
@@ -125,6 +125,7 @@
     <p1510:client id="{2D366D78-7245-07D2-4ACE-AE7EC48CE589}" v="5" dt="2023-11-13T02:10:04.851"/>
     <p1510:client id="{3E78D8AC-D8D8-6E72-BCC5-545D25E9333C}" v="23" dt="2023-11-13T05:27:28.460"/>
     <p1510:client id="{664DC98D-C937-4202-B8DF-0A68D0C64472}" v="3" dt="2023-11-13T02:05:08.215"/>
+    <p1510:client id="{AE26AFF2-0057-4764-B476-11F6569EE838}" v="17" dt="2023-11-13T14:18:50.239"/>
   </p1510:revLst>
 </p1510:revInfo>
 </file>
@@ -132,20 +133,20 @@
 <file path=ppt/changesInfos/changesInfo1.xml><?xml version="1.0" encoding="utf-8"?>
 <pc:chgInfo xmlns:a="http://schemas.openxmlformats.org/drawingml/2006/main" xmlns:r="http://schemas.openxmlformats.org/officeDocument/2006/relationships" xmlns:ac="http://schemas.microsoft.com/office/drawing/2013/main/command" xmlns:pc="http://schemas.microsoft.com/office/powerpoint/2013/main/command">
   <pc:docChgLst>
-    <pc:chgData name="Kilner, Drew" userId="S::kilnerdr@rose-hulman.edu::4605ac08-cf9c-4e05-ad60-e2a9d61f16dd" providerId="AD" clId="Web-{3E78D8AC-D8D8-6E72-BCC5-545D25E9333C}"/>
+    <pc:chgData name="Granade, Eli" userId="aad9006c-9ad3-445c-b18d-c9ace00be3a8" providerId="ADAL" clId="{B22A032F-5FF8-431A-84D8-3F2DEEBEA4C2}"/>
     <pc:docChg chg="modSld">
-      <pc:chgData name="Kilner, Drew" userId="S::kilnerdr@rose-hulman.edu::4605ac08-cf9c-4e05-ad60-e2a9d61f16dd" providerId="AD" clId="Web-{3E78D8AC-D8D8-6E72-BCC5-545D25E9333C}" dt="2023-11-13T05:27:28.460" v="22" actId="20577"/>
+      <pc:chgData name="Granade, Eli" userId="aad9006c-9ad3-445c-b18d-c9ace00be3a8" providerId="ADAL" clId="{B22A032F-5FF8-431A-84D8-3F2DEEBEA4C2}" dt="2023-11-13T13:33:41.021" v="0" actId="20577"/>
       <pc:docMkLst>
         <pc:docMk/>
       </pc:docMkLst>
-      <pc:sldChg chg="modSp">
-        <pc:chgData name="Kilner, Drew" userId="S::kilnerdr@rose-hulman.edu::4605ac08-cf9c-4e05-ad60-e2a9d61f16dd" providerId="AD" clId="Web-{3E78D8AC-D8D8-6E72-BCC5-545D25E9333C}" dt="2023-11-13T05:27:28.460" v="22" actId="20577"/>
+      <pc:sldChg chg="modSp mod">
+        <pc:chgData name="Granade, Eli" userId="aad9006c-9ad3-445c-b18d-c9ace00be3a8" providerId="ADAL" clId="{B22A032F-5FF8-431A-84D8-3F2DEEBEA4C2}" dt="2023-11-13T13:33:41.021" v="0" actId="20577"/>
         <pc:sldMkLst>
           <pc:docMk/>
           <pc:sldMk cId="3689646872" sldId="265"/>
         </pc:sldMkLst>
         <pc:spChg chg="mod">
-          <ac:chgData name="Kilner, Drew" userId="S::kilnerdr@rose-hulman.edu::4605ac08-cf9c-4e05-ad60-e2a9d61f16dd" providerId="AD" clId="Web-{3E78D8AC-D8D8-6E72-BCC5-545D25E9333C}" dt="2023-11-13T05:27:28.460" v="22" actId="20577"/>
+          <ac:chgData name="Granade, Eli" userId="aad9006c-9ad3-445c-b18d-c9ace00be3a8" providerId="ADAL" clId="{B22A032F-5FF8-431A-84D8-3F2DEEBEA4C2}" dt="2023-11-13T13:33:41.021" v="0" actId="20577"/>
           <ac:spMkLst>
             <pc:docMk/>
             <pc:sldMk cId="3689646872" sldId="265"/>
@@ -174,30 +175,6 @@
             <pc:docMk/>
             <pc:sldMk cId="1088823960" sldId="259"/>
             <ac:spMk id="3" creationId="{5CC33982-DF65-CAE0-E73F-47E451E338EA}"/>
-          </ac:spMkLst>
-        </pc:spChg>
-      </pc:sldChg>
-    </pc:docChg>
-  </pc:docChgLst>
-  <pc:docChgLst>
-    <pc:chgData name="Granade, Eli" userId="aad9006c-9ad3-445c-b18d-c9ace00be3a8" providerId="ADAL" clId="{B22A032F-5FF8-431A-84D8-3F2DEEBEA4C2}"/>
-    <pc:docChg chg="modSld">
-      <pc:chgData name="Granade, Eli" userId="aad9006c-9ad3-445c-b18d-c9ace00be3a8" providerId="ADAL" clId="{B22A032F-5FF8-431A-84D8-3F2DEEBEA4C2}" dt="2023-11-13T13:33:41.021" v="0" actId="20577"/>
-      <pc:docMkLst>
-        <pc:docMk/>
-      </pc:docMkLst>
-      <pc:sldChg chg="modSp mod">
-        <pc:chgData name="Granade, Eli" userId="aad9006c-9ad3-445c-b18d-c9ace00be3a8" providerId="ADAL" clId="{B22A032F-5FF8-431A-84D8-3F2DEEBEA4C2}" dt="2023-11-13T13:33:41.021" v="0" actId="20577"/>
-        <pc:sldMkLst>
-          <pc:docMk/>
-          <pc:sldMk cId="3689646872" sldId="265"/>
-        </pc:sldMkLst>
-        <pc:spChg chg="mod">
-          <ac:chgData name="Granade, Eli" userId="aad9006c-9ad3-445c-b18d-c9ace00be3a8" providerId="ADAL" clId="{B22A032F-5FF8-431A-84D8-3F2DEEBEA4C2}" dt="2023-11-13T13:33:41.021" v="0" actId="20577"/>
-          <ac:spMkLst>
-            <pc:docMk/>
-            <pc:sldMk cId="3689646872" sldId="265"/>
-            <ac:spMk id="3" creationId="{1D965328-3604-D246-EC07-B8F001DE710D}"/>
           </ac:spMkLst>
         </pc:spChg>
       </pc:sldChg>
@@ -510,6 +487,54 @@
             <pc:docMk/>
             <pc:sldMk cId="3689646872" sldId="265"/>
             <ac:spMk id="2" creationId="{DEB574FC-BD0F-D7EA-FAB3-F0E96AF36C3D}"/>
+          </ac:spMkLst>
+        </pc:spChg>
+      </pc:sldChg>
+    </pc:docChg>
+  </pc:docChgLst>
+  <pc:docChgLst>
+    <pc:chgData name="Kilner, Drew" userId="4605ac08-cf9c-4e05-ad60-e2a9d61f16dd" providerId="ADAL" clId="{AE26AFF2-0057-4764-B476-11F6569EE838}"/>
+    <pc:docChg chg="modSld">
+      <pc:chgData name="Kilner, Drew" userId="4605ac08-cf9c-4e05-ad60-e2a9d61f16dd" providerId="ADAL" clId="{AE26AFF2-0057-4764-B476-11F6569EE838}" dt="2023-11-13T14:18:50.239" v="16" actId="20577"/>
+      <pc:docMkLst>
+        <pc:docMk/>
+      </pc:docMkLst>
+      <pc:sldChg chg="modSp mod">
+        <pc:chgData name="Kilner, Drew" userId="4605ac08-cf9c-4e05-ad60-e2a9d61f16dd" providerId="ADAL" clId="{AE26AFF2-0057-4764-B476-11F6569EE838}" dt="2023-11-13T14:18:50.239" v="16" actId="20577"/>
+        <pc:sldMkLst>
+          <pc:docMk/>
+          <pc:sldMk cId="3689646872" sldId="265"/>
+        </pc:sldMkLst>
+        <pc:spChg chg="mod">
+          <ac:chgData name="Kilner, Drew" userId="4605ac08-cf9c-4e05-ad60-e2a9d61f16dd" providerId="ADAL" clId="{AE26AFF2-0057-4764-B476-11F6569EE838}" dt="2023-11-13T14:18:50.239" v="16" actId="20577"/>
+          <ac:spMkLst>
+            <pc:docMk/>
+            <pc:sldMk cId="3689646872" sldId="265"/>
+            <ac:spMk id="3" creationId="{1D965328-3604-D246-EC07-B8F001DE710D}"/>
+          </ac:spMkLst>
+        </pc:spChg>
+      </pc:sldChg>
+    </pc:docChg>
+  </pc:docChgLst>
+  <pc:docChgLst>
+    <pc:chgData name="Kilner, Drew" userId="S::kilnerdr@rose-hulman.edu::4605ac08-cf9c-4e05-ad60-e2a9d61f16dd" providerId="AD" clId="Web-{3E78D8AC-D8D8-6E72-BCC5-545D25E9333C}"/>
+    <pc:docChg chg="modSld">
+      <pc:chgData name="Kilner, Drew" userId="S::kilnerdr@rose-hulman.edu::4605ac08-cf9c-4e05-ad60-e2a9d61f16dd" providerId="AD" clId="Web-{3E78D8AC-D8D8-6E72-BCC5-545D25E9333C}" dt="2023-11-13T05:27:28.460" v="22" actId="20577"/>
+      <pc:docMkLst>
+        <pc:docMk/>
+      </pc:docMkLst>
+      <pc:sldChg chg="modSp">
+        <pc:chgData name="Kilner, Drew" userId="S::kilnerdr@rose-hulman.edu::4605ac08-cf9c-4e05-ad60-e2a9d61f16dd" providerId="AD" clId="Web-{3E78D8AC-D8D8-6E72-BCC5-545D25E9333C}" dt="2023-11-13T05:27:28.460" v="22" actId="20577"/>
+        <pc:sldMkLst>
+          <pc:docMk/>
+          <pc:sldMk cId="3689646872" sldId="265"/>
+        </pc:sldMkLst>
+        <pc:spChg chg="mod">
+          <ac:chgData name="Kilner, Drew" userId="S::kilnerdr@rose-hulman.edu::4605ac08-cf9c-4e05-ad60-e2a9d61f16dd" providerId="AD" clId="Web-{3E78D8AC-D8D8-6E72-BCC5-545D25E9333C}" dt="2023-11-13T05:27:28.460" v="22" actId="20577"/>
+          <ac:spMkLst>
+            <pc:docMk/>
+            <pc:sldMk cId="3689646872" sldId="265"/>
+            <ac:spMk id="3" creationId="{1D965328-3604-D246-EC07-B8F001DE710D}"/>
           </ac:spMkLst>
         </pc:spChg>
       </pc:sldChg>
@@ -7115,7 +7140,7 @@
           <a:lstStyle/>
           <a:p>
             <a:r>
-              <a:rPr lang="en-US" dirty="0">
+              <a:rPr lang="en-US">
                 <a:latin typeface="Calibri"/>
                 <a:cs typeface="Calibri"/>
               </a:rPr>
@@ -7129,14 +7154,14 @@
               </a:buClr>
             </a:pPr>
             <a:r>
-              <a:rPr lang="en-US" dirty="0">
+              <a:rPr lang="en-US">
                 <a:latin typeface="Calibri"/>
                 <a:ea typeface="+mn-lt"/>
                 <a:cs typeface="+mn-lt"/>
               </a:rPr>
               <a:t>Data Mem size: 10 bytes for stack used by functions.</a:t>
             </a:r>
-            <a:endParaRPr lang="en-US" dirty="0">
+            <a:endParaRPr lang="en-US">
               <a:latin typeface="Calibri"/>
               <a:cs typeface="Calibri"/>
             </a:endParaRPr>
@@ -7148,7 +7173,7 @@
               </a:buClr>
             </a:pPr>
             <a:r>
-              <a:rPr lang="en-US" dirty="0">
+              <a:rPr lang="en-US">
                 <a:latin typeface="Calibri"/>
                 <a:ea typeface="+mn-lt"/>
                 <a:cs typeface="+mn-lt"/>
@@ -7156,7 +7181,7 @@
               <a:t>total instructions executed when </a:t>
             </a:r>
             <a:r>
-              <a:rPr lang="en-US" dirty="0" err="1">
+              <a:rPr lang="en-US" err="1">
                 <a:latin typeface="Calibri"/>
                 <a:ea typeface="+mn-lt"/>
                 <a:cs typeface="+mn-lt"/>
@@ -7164,14 +7189,14 @@
               <a:t>relPrime</a:t>
             </a:r>
             <a:r>
-              <a:rPr lang="en-US" dirty="0">
+              <a:rPr lang="en-US">
                 <a:latin typeface="Calibri"/>
                 <a:ea typeface="+mn-lt"/>
                 <a:cs typeface="+mn-lt"/>
               </a:rPr>
               <a:t> is called with 0x13B0: 71520</a:t>
             </a:r>
-            <a:endParaRPr lang="en-US" dirty="0">
+            <a:endParaRPr lang="en-US">
               <a:latin typeface="Calibri"/>
               <a:cs typeface="Calibri"/>
             </a:endParaRPr>
@@ -7183,14 +7208,23 @@
               </a:buClr>
             </a:pPr>
             <a:r>
-              <a:rPr lang="en-US" dirty="0">
+              <a:rPr lang="en-US">
                 <a:latin typeface="Calibri"/>
                 <a:ea typeface="+mn-lt"/>
                 <a:cs typeface="+mn-lt"/>
               </a:rPr>
-              <a:t>total number of cycles: 71524</a:t>
-            </a:r>
-            <a:endParaRPr lang="en-US" dirty="0">
+              <a:t>total number of cycles: 71524, </a:t>
+            </a:r>
+            <a:r>
+              <a:rPr lang="en-US" kern="100">
+                <a:effectLst/>
+                <a:latin typeface="Calibri" panose="020F0502020204030204" pitchFamily="34" charset="0"/>
+                <a:ea typeface="Calibri" panose="020F0502020204030204" pitchFamily="34" charset="0"/>
+                <a:cs typeface="Times New Roman" panose="02020603050405020304" pitchFamily="18" charset="0"/>
+              </a:rPr>
+              <a:t>17.29908ns</a:t>
+            </a:r>
+            <a:endParaRPr lang="en-US" sz="2400">
               <a:latin typeface="Calibri"/>
               <a:cs typeface="Calibri"/>
             </a:endParaRPr>
@@ -7202,38 +7236,22 @@
               </a:buClr>
             </a:pPr>
             <a:r>
-              <a:rPr lang="en-US" dirty="0">
-                <a:latin typeface="Calibri"/>
-                <a:ea typeface="+mn-lt"/>
-                <a:cs typeface="+mn-lt"/>
-              </a:rPr>
-              <a:t>The total </a:t>
-            </a:r>
-            <a:r>
               <a:rPr lang="en-US">
                 <a:latin typeface="Calibri"/>
                 <a:ea typeface="+mn-lt"/>
                 <a:cs typeface="+mn-lt"/>
               </a:rPr>
-              <a:t>execution time: </a:t>
-            </a:r>
-            <a:r>
-              <a:rPr lang="en-US" dirty="0">
-                <a:latin typeface="Calibri"/>
-                <a:ea typeface="+mn-lt"/>
-                <a:cs typeface="+mn-lt"/>
-              </a:rPr>
-              <a:t>1.2373652 </a:t>
-            </a:r>
-            <a:r>
-              <a:rPr lang="en-US" dirty="0" err="1">
+              <a:t>The total execution time: 1.237 3652 </a:t>
+            </a:r>
+            <a:r>
+              <a:rPr lang="en-US" err="1">
                 <a:latin typeface="Calibri"/>
                 <a:ea typeface="+mn-lt"/>
                 <a:cs typeface="+mn-lt"/>
               </a:rPr>
               <a:t>ms</a:t>
             </a:r>
-            <a:endParaRPr lang="en-US" dirty="0">
+            <a:endParaRPr lang="en-US">
               <a:latin typeface="Calibri"/>
               <a:cs typeface="Calibri"/>
             </a:endParaRPr>
@@ -7245,7 +7263,7 @@
               </a:buClr>
             </a:pPr>
             <a:r>
-              <a:rPr lang="en-US" dirty="0">
+              <a:rPr lang="en-US">
                 <a:latin typeface="Calibri"/>
                 <a:cs typeface="Calibri"/>
               </a:rPr>
